--- a/shinydashboardPlus.pptx
+++ b/shinydashboardPlus.pptx
@@ -1945,7 +1945,7 @@
           </a:ln>
           <a:extLst>
             <a:ext uri="{C572A759-6A51-4108-AA02-DFA0A04FC94B}">
-              <ma14:wrappingTextBoxFlag xmlns="" xmlns:m="http://schemas.openxmlformats.org/officeDocument/2006/math" xmlns:a14="http://schemas.microsoft.com/office/drawing/2010/main" xmlns:ma14="http://schemas.microsoft.com/office/mac/drawingml/2011/main" val="1"/>
+              <ma14:wrappingTextBoxFlag xmlns:ma14="http://schemas.microsoft.com/office/mac/drawingml/2011/main" xmlns:a14="http://schemas.microsoft.com/office/drawing/2010/main" xmlns:m="http://schemas.openxmlformats.org/officeDocument/2006/math" xmlns="" val="1"/>
             </a:ext>
           </a:extLst>
         </p:spPr>
@@ -1984,7 +1984,7 @@
           </a:ln>
           <a:extLst>
             <a:ext uri="{C572A759-6A51-4108-AA02-DFA0A04FC94B}">
-              <ma14:wrappingTextBoxFlag xmlns="" xmlns:m="http://schemas.openxmlformats.org/officeDocument/2006/math" xmlns:a14="http://schemas.microsoft.com/office/drawing/2010/main" xmlns:ma14="http://schemas.microsoft.com/office/mac/drawingml/2011/main" val="1"/>
+              <ma14:wrappingTextBoxFlag xmlns:ma14="http://schemas.microsoft.com/office/mac/drawingml/2011/main" xmlns:a14="http://schemas.microsoft.com/office/drawing/2010/main" xmlns:m="http://schemas.openxmlformats.org/officeDocument/2006/math" xmlns="" val="1"/>
             </a:ext>
           </a:extLst>
         </p:spPr>
@@ -3801,7 +3801,7 @@
           </a:ln>
           <a:extLst>
             <a:ext uri="{C572A759-6A51-4108-AA02-DFA0A04FC94B}">
-              <ma14:wrappingTextBoxFlag xmlns="" xmlns:m="http://schemas.openxmlformats.org/officeDocument/2006/math" xmlns:a14="http://schemas.microsoft.com/office/drawing/2010/main" xmlns:ma14="http://schemas.microsoft.com/office/mac/drawingml/2011/main" val="1"/>
+              <ma14:wrappingTextBoxFlag xmlns:ma14="http://schemas.microsoft.com/office/mac/drawingml/2011/main" xmlns:a14="http://schemas.microsoft.com/office/drawing/2010/main" xmlns:m="http://schemas.openxmlformats.org/officeDocument/2006/math" xmlns="" val="1"/>
             </a:ext>
           </a:extLst>
         </p:spPr>
@@ -3939,7 +3939,7 @@
           </a:ln>
           <a:extLst>
             <a:ext uri="{C572A759-6A51-4108-AA02-DFA0A04FC94B}">
-              <ma14:wrappingTextBoxFlag xmlns="" xmlns:m="http://schemas.openxmlformats.org/officeDocument/2006/math" xmlns:a14="http://schemas.microsoft.com/office/drawing/2010/main" xmlns:ma14="http://schemas.microsoft.com/office/mac/drawingml/2011/main" val="1"/>
+              <ma14:wrappingTextBoxFlag xmlns:ma14="http://schemas.microsoft.com/office/mac/drawingml/2011/main" xmlns:a14="http://schemas.microsoft.com/office/drawing/2010/main" xmlns:m="http://schemas.openxmlformats.org/officeDocument/2006/math" xmlns="" val="1"/>
             </a:ext>
           </a:extLst>
         </p:spPr>
@@ -4121,7 +4121,7 @@
           </a:ln>
           <a:extLst>
             <a:ext uri="{C572A759-6A51-4108-AA02-DFA0A04FC94B}">
-              <ma14:wrappingTextBoxFlag xmlns="" xmlns:m="http://schemas.openxmlformats.org/officeDocument/2006/math" xmlns:a14="http://schemas.microsoft.com/office/drawing/2010/main" xmlns:ma14="http://schemas.microsoft.com/office/mac/drawingml/2011/main" val="1"/>
+              <ma14:wrappingTextBoxFlag xmlns:ma14="http://schemas.microsoft.com/office/mac/drawingml/2011/main" xmlns:a14="http://schemas.microsoft.com/office/drawing/2010/main" xmlns:m="http://schemas.openxmlformats.org/officeDocument/2006/math" xmlns="" val="1"/>
             </a:ext>
           </a:extLst>
         </p:spPr>
@@ -4278,7 +4278,7 @@
           </a:ln>
           <a:extLst>
             <a:ext uri="{C572A759-6A51-4108-AA02-DFA0A04FC94B}">
-              <ma14:wrappingTextBoxFlag xmlns="" xmlns:m="http://schemas.openxmlformats.org/officeDocument/2006/math" xmlns:a14="http://schemas.microsoft.com/office/drawing/2010/main" xmlns:ma14="http://schemas.microsoft.com/office/mac/drawingml/2011/main" val="1"/>
+              <ma14:wrappingTextBoxFlag xmlns:ma14="http://schemas.microsoft.com/office/mac/drawingml/2011/main" xmlns:a14="http://schemas.microsoft.com/office/drawing/2010/main" xmlns:m="http://schemas.openxmlformats.org/officeDocument/2006/math" xmlns="" val="1"/>
             </a:ext>
           </a:extLst>
         </p:spPr>
@@ -4328,7 +4328,7 @@
           </a:ln>
           <a:extLst>
             <a:ext uri="{C572A759-6A51-4108-AA02-DFA0A04FC94B}">
-              <ma14:wrappingTextBoxFlag xmlns="" xmlns:m="http://schemas.openxmlformats.org/officeDocument/2006/math" xmlns:a14="http://schemas.microsoft.com/office/drawing/2010/main" xmlns:ma14="http://schemas.microsoft.com/office/mac/drawingml/2011/main" val="1"/>
+              <ma14:wrappingTextBoxFlag xmlns:ma14="http://schemas.microsoft.com/office/mac/drawingml/2011/main" xmlns:a14="http://schemas.microsoft.com/office/drawing/2010/main" xmlns:m="http://schemas.openxmlformats.org/officeDocument/2006/math" xmlns="" val="1"/>
             </a:ext>
           </a:extLst>
         </p:spPr>
@@ -4388,7 +4388,7 @@
           </a:ln>
           <a:extLst>
             <a:ext uri="{C572A759-6A51-4108-AA02-DFA0A04FC94B}">
-              <ma14:wrappingTextBoxFlag xmlns="" xmlns:m="http://schemas.openxmlformats.org/officeDocument/2006/math" xmlns:a14="http://schemas.microsoft.com/office/drawing/2010/main" xmlns:ma14="http://schemas.microsoft.com/office/mac/drawingml/2011/main" val="1"/>
+              <ma14:wrappingTextBoxFlag xmlns:ma14="http://schemas.microsoft.com/office/mac/drawingml/2011/main" xmlns:a14="http://schemas.microsoft.com/office/drawing/2010/main" xmlns:m="http://schemas.openxmlformats.org/officeDocument/2006/math" xmlns="" val="1"/>
             </a:ext>
           </a:extLst>
         </p:spPr>
@@ -4605,7 +4605,7 @@
           </a:ln>
           <a:extLst>
             <a:ext uri="{C572A759-6A51-4108-AA02-DFA0A04FC94B}">
-              <ma14:wrappingTextBoxFlag xmlns="" xmlns:m="http://schemas.openxmlformats.org/officeDocument/2006/math" xmlns:a14="http://schemas.microsoft.com/office/drawing/2010/main" xmlns:ma14="http://schemas.microsoft.com/office/mac/drawingml/2011/main" val="1"/>
+              <ma14:wrappingTextBoxFlag xmlns:ma14="http://schemas.microsoft.com/office/mac/drawingml/2011/main" xmlns:a14="http://schemas.microsoft.com/office/drawing/2010/main" xmlns:m="http://schemas.openxmlformats.org/officeDocument/2006/math" xmlns="" val="1"/>
             </a:ext>
           </a:extLst>
         </p:spPr>
@@ -4844,7 +4844,7 @@
           </a:ln>
           <a:extLst>
             <a:ext uri="{C572A759-6A51-4108-AA02-DFA0A04FC94B}">
-              <ma14:wrappingTextBoxFlag xmlns="" xmlns:m="http://schemas.openxmlformats.org/officeDocument/2006/math" xmlns:a14="http://schemas.microsoft.com/office/drawing/2010/main" xmlns:ma14="http://schemas.microsoft.com/office/mac/drawingml/2011/main" val="1"/>
+              <ma14:wrappingTextBoxFlag xmlns:ma14="http://schemas.microsoft.com/office/mac/drawingml/2011/main" xmlns:a14="http://schemas.microsoft.com/office/drawing/2010/main" xmlns:m="http://schemas.openxmlformats.org/officeDocument/2006/math" xmlns="" val="1"/>
             </a:ext>
           </a:extLst>
         </p:spPr>
@@ -4951,7 +4951,7 @@
           </a:ln>
           <a:extLst>
             <a:ext uri="{C572A759-6A51-4108-AA02-DFA0A04FC94B}">
-              <ma14:wrappingTextBoxFlag xmlns="" xmlns:m="http://schemas.openxmlformats.org/officeDocument/2006/math" xmlns:a14="http://schemas.microsoft.com/office/drawing/2010/main" xmlns:ma14="http://schemas.microsoft.com/office/mac/drawingml/2011/main" val="1"/>
+              <ma14:wrappingTextBoxFlag xmlns:ma14="http://schemas.microsoft.com/office/mac/drawingml/2011/main" xmlns:a14="http://schemas.microsoft.com/office/drawing/2010/main" xmlns:m="http://schemas.openxmlformats.org/officeDocument/2006/math" xmlns="" val="1"/>
             </a:ext>
           </a:extLst>
         </p:spPr>
@@ -5410,7 +5410,7 @@
           </a:ln>
           <a:extLst>
             <a:ext uri="{C572A759-6A51-4108-AA02-DFA0A04FC94B}">
-              <ma14:wrappingTextBoxFlag xmlns="" xmlns:m="http://schemas.openxmlformats.org/officeDocument/2006/math" xmlns:a14="http://schemas.microsoft.com/office/drawing/2010/main" xmlns:ma14="http://schemas.microsoft.com/office/mac/drawingml/2011/main" val="1"/>
+              <ma14:wrappingTextBoxFlag xmlns:ma14="http://schemas.microsoft.com/office/mac/drawingml/2011/main" xmlns:a14="http://schemas.microsoft.com/office/drawing/2010/main" xmlns:m="http://schemas.openxmlformats.org/officeDocument/2006/math" xmlns="" val="1"/>
             </a:ext>
           </a:extLst>
         </p:spPr>
@@ -6100,7 +6100,7 @@
           </a:ln>
           <a:extLst>
             <a:ext uri="{C572A759-6A51-4108-AA02-DFA0A04FC94B}">
-              <ma14:wrappingTextBoxFlag xmlns="" xmlns:m="http://schemas.openxmlformats.org/officeDocument/2006/math" xmlns:a14="http://schemas.microsoft.com/office/drawing/2010/main" xmlns:ma14="http://schemas.microsoft.com/office/mac/drawingml/2011/main" val="1"/>
+              <ma14:wrappingTextBoxFlag xmlns:ma14="http://schemas.microsoft.com/office/mac/drawingml/2011/main" xmlns:a14="http://schemas.microsoft.com/office/drawing/2010/main" xmlns:m="http://schemas.openxmlformats.org/officeDocument/2006/math" xmlns="" val="1"/>
             </a:ext>
           </a:extLst>
         </p:spPr>
@@ -6413,7 +6413,7 @@
           </a:ln>
           <a:extLst>
             <a:ext uri="{C572A759-6A51-4108-AA02-DFA0A04FC94B}">
-              <ma14:wrappingTextBoxFlag xmlns="" xmlns:m="http://schemas.openxmlformats.org/officeDocument/2006/math" xmlns:a14="http://schemas.microsoft.com/office/drawing/2010/main" xmlns:ma14="http://schemas.microsoft.com/office/mac/drawingml/2011/main" val="1"/>
+              <ma14:wrappingTextBoxFlag xmlns:ma14="http://schemas.microsoft.com/office/mac/drawingml/2011/main" xmlns:a14="http://schemas.microsoft.com/office/drawing/2010/main" xmlns:m="http://schemas.openxmlformats.org/officeDocument/2006/math" xmlns="" val="1"/>
             </a:ext>
           </a:extLst>
         </p:spPr>
@@ -6566,7 +6566,7 @@
           </a:ln>
           <a:extLst>
             <a:ext uri="{C572A759-6A51-4108-AA02-DFA0A04FC94B}">
-              <ma14:wrappingTextBoxFlag xmlns="" xmlns:m="http://schemas.openxmlformats.org/officeDocument/2006/math" xmlns:a14="http://schemas.microsoft.com/office/drawing/2010/main" xmlns:ma14="http://schemas.microsoft.com/office/mac/drawingml/2011/main" val="1"/>
+              <ma14:wrappingTextBoxFlag xmlns:ma14="http://schemas.microsoft.com/office/mac/drawingml/2011/main" xmlns:a14="http://schemas.microsoft.com/office/drawing/2010/main" xmlns:m="http://schemas.openxmlformats.org/officeDocument/2006/math" xmlns="" val="1"/>
             </a:ext>
           </a:extLst>
         </p:spPr>
@@ -6682,7 +6682,7 @@
           </a:ln>
           <a:extLst>
             <a:ext uri="{C572A759-6A51-4108-AA02-DFA0A04FC94B}">
-              <ma14:wrappingTextBoxFlag xmlns="" xmlns:m="http://schemas.openxmlformats.org/officeDocument/2006/math" xmlns:a14="http://schemas.microsoft.com/office/drawing/2010/main" xmlns:ma14="http://schemas.microsoft.com/office/mac/drawingml/2011/main" val="1"/>
+              <ma14:wrappingTextBoxFlag xmlns:ma14="http://schemas.microsoft.com/office/mac/drawingml/2011/main" xmlns:a14="http://schemas.microsoft.com/office/drawing/2010/main" xmlns:m="http://schemas.openxmlformats.org/officeDocument/2006/math" xmlns="" val="1"/>
             </a:ext>
           </a:extLst>
         </p:spPr>
@@ -7319,7 +7319,7 @@
           </a:ln>
           <a:extLst>
             <a:ext uri="{C572A759-6A51-4108-AA02-DFA0A04FC94B}">
-              <ma14:wrappingTextBoxFlag xmlns="" xmlns:m="http://schemas.openxmlformats.org/officeDocument/2006/math" xmlns:a14="http://schemas.microsoft.com/office/drawing/2010/main" xmlns:ma14="http://schemas.microsoft.com/office/mac/drawingml/2011/main" val="1"/>
+              <ma14:wrappingTextBoxFlag xmlns:ma14="http://schemas.microsoft.com/office/mac/drawingml/2011/main" xmlns:a14="http://schemas.microsoft.com/office/drawing/2010/main" xmlns:m="http://schemas.openxmlformats.org/officeDocument/2006/math" xmlns="" val="1"/>
             </a:ext>
           </a:extLst>
         </p:spPr>
@@ -7385,7 +7385,7 @@
           </a:ln>
           <a:extLst>
             <a:ext uri="{C572A759-6A51-4108-AA02-DFA0A04FC94B}">
-              <ma14:wrappingTextBoxFlag xmlns="" xmlns:m="http://schemas.openxmlformats.org/officeDocument/2006/math" xmlns:a14="http://schemas.microsoft.com/office/drawing/2010/main" xmlns:ma14="http://schemas.microsoft.com/office/mac/drawingml/2011/main" val="1"/>
+              <ma14:wrappingTextBoxFlag xmlns:ma14="http://schemas.microsoft.com/office/mac/drawingml/2011/main" xmlns:a14="http://schemas.microsoft.com/office/drawing/2010/main" xmlns:m="http://schemas.openxmlformats.org/officeDocument/2006/math" xmlns="" val="1"/>
             </a:ext>
           </a:extLst>
         </p:spPr>
@@ -7519,7 +7519,7 @@
           </a:ln>
           <a:extLst>
             <a:ext uri="{C572A759-6A51-4108-AA02-DFA0A04FC94B}">
-              <ma14:wrappingTextBoxFlag xmlns="" xmlns:m="http://schemas.openxmlformats.org/officeDocument/2006/math" xmlns:a14="http://schemas.microsoft.com/office/drawing/2010/main" xmlns:ma14="http://schemas.microsoft.com/office/mac/drawingml/2011/main" val="1"/>
+              <ma14:wrappingTextBoxFlag xmlns:ma14="http://schemas.microsoft.com/office/mac/drawingml/2011/main" xmlns:a14="http://schemas.microsoft.com/office/drawing/2010/main" xmlns:m="http://schemas.openxmlformats.org/officeDocument/2006/math" xmlns="" val="1"/>
             </a:ext>
           </a:extLst>
         </p:spPr>
@@ -7687,7 +7687,7 @@
           </a:ln>
           <a:extLst>
             <a:ext uri="{C572A759-6A51-4108-AA02-DFA0A04FC94B}">
-              <ma14:wrappingTextBoxFlag xmlns="" xmlns:m="http://schemas.openxmlformats.org/officeDocument/2006/math" xmlns:a14="http://schemas.microsoft.com/office/drawing/2010/main" xmlns:ma14="http://schemas.microsoft.com/office/mac/drawingml/2011/main" val="1"/>
+              <ma14:wrappingTextBoxFlag xmlns:ma14="http://schemas.microsoft.com/office/mac/drawingml/2011/main" xmlns:a14="http://schemas.microsoft.com/office/drawing/2010/main" xmlns:m="http://schemas.openxmlformats.org/officeDocument/2006/math" xmlns="" val="1"/>
             </a:ext>
           </a:extLst>
         </p:spPr>
@@ -7967,7 +7967,7 @@
           </a:ln>
           <a:extLst>
             <a:ext uri="{C572A759-6A51-4108-AA02-DFA0A04FC94B}">
-              <ma14:wrappingTextBoxFlag xmlns="" xmlns:m="http://schemas.openxmlformats.org/officeDocument/2006/math" xmlns:a14="http://schemas.microsoft.com/office/drawing/2010/main" xmlns:ma14="http://schemas.microsoft.com/office/mac/drawingml/2011/main" val="1"/>
+              <ma14:wrappingTextBoxFlag xmlns:ma14="http://schemas.microsoft.com/office/mac/drawingml/2011/main" xmlns:a14="http://schemas.microsoft.com/office/drawing/2010/main" xmlns:m="http://schemas.openxmlformats.org/officeDocument/2006/math" xmlns="" val="1"/>
             </a:ext>
           </a:extLst>
         </p:spPr>
@@ -8643,7 +8643,7 @@
           </a:ln>
           <a:extLst>
             <a:ext uri="{C572A759-6A51-4108-AA02-DFA0A04FC94B}">
-              <ma14:wrappingTextBoxFlag xmlns="" xmlns:m="http://schemas.openxmlformats.org/officeDocument/2006/math" xmlns:a14="http://schemas.microsoft.com/office/drawing/2010/main" xmlns:ma14="http://schemas.microsoft.com/office/mac/drawingml/2011/main" val="1"/>
+              <ma14:wrappingTextBoxFlag xmlns:ma14="http://schemas.microsoft.com/office/mac/drawingml/2011/main" xmlns:a14="http://schemas.microsoft.com/office/drawing/2010/main" xmlns:m="http://schemas.openxmlformats.org/officeDocument/2006/math" xmlns="" val="1"/>
             </a:ext>
           </a:extLst>
         </p:spPr>
@@ -10457,7 +10457,7 @@
           </a:ln>
           <a:extLst>
             <a:ext uri="{C572A759-6A51-4108-AA02-DFA0A04FC94B}">
-              <ma14:wrappingTextBoxFlag xmlns="" xmlns:m="http://schemas.openxmlformats.org/officeDocument/2006/math" xmlns:a14="http://schemas.microsoft.com/office/drawing/2010/main" xmlns:ma14="http://schemas.microsoft.com/office/mac/drawingml/2011/main" val="1"/>
+              <ma14:wrappingTextBoxFlag xmlns:ma14="http://schemas.microsoft.com/office/mac/drawingml/2011/main" xmlns:a14="http://schemas.microsoft.com/office/drawing/2010/main" xmlns:m="http://schemas.openxmlformats.org/officeDocument/2006/math" xmlns="" val="1"/>
             </a:ext>
           </a:extLst>
         </p:spPr>
@@ -10855,7 +10855,7 @@
           </a:ln>
           <a:extLst>
             <a:ext uri="{C572A759-6A51-4108-AA02-DFA0A04FC94B}">
-              <ma14:wrappingTextBoxFlag xmlns="" xmlns:m="http://schemas.openxmlformats.org/officeDocument/2006/math" xmlns:a14="http://schemas.microsoft.com/office/drawing/2010/main" xmlns:ma14="http://schemas.microsoft.com/office/mac/drawingml/2011/main" val="1"/>
+              <ma14:wrappingTextBoxFlag xmlns:ma14="http://schemas.microsoft.com/office/mac/drawingml/2011/main" xmlns:a14="http://schemas.microsoft.com/office/drawing/2010/main" xmlns:m="http://schemas.openxmlformats.org/officeDocument/2006/math" xmlns="" val="1"/>
             </a:ext>
           </a:extLst>
         </p:spPr>
@@ -11041,7 +11041,7 @@
           </a:ln>
           <a:extLst>
             <a:ext uri="{C572A759-6A51-4108-AA02-DFA0A04FC94B}">
-              <ma14:wrappingTextBoxFlag xmlns="" xmlns:m="http://schemas.openxmlformats.org/officeDocument/2006/math" xmlns:a14="http://schemas.microsoft.com/office/drawing/2010/main" xmlns:ma14="http://schemas.microsoft.com/office/mac/drawingml/2011/main" val="1"/>
+              <ma14:wrappingTextBoxFlag xmlns:ma14="http://schemas.microsoft.com/office/mac/drawingml/2011/main" xmlns:a14="http://schemas.microsoft.com/office/drawing/2010/main" xmlns:m="http://schemas.openxmlformats.org/officeDocument/2006/math" xmlns="" val="1"/>
             </a:ext>
           </a:extLst>
         </p:spPr>
@@ -11108,7 +11108,7 @@
           </a:ln>
           <a:extLst>
             <a:ext uri="{C572A759-6A51-4108-AA02-DFA0A04FC94B}">
-              <ma14:wrappingTextBoxFlag xmlns="" xmlns:m="http://schemas.openxmlformats.org/officeDocument/2006/math" xmlns:a14="http://schemas.microsoft.com/office/drawing/2010/main" xmlns:ma14="http://schemas.microsoft.com/office/mac/drawingml/2011/main" val="1"/>
+              <ma14:wrappingTextBoxFlag xmlns:ma14="http://schemas.microsoft.com/office/mac/drawingml/2011/main" xmlns:a14="http://schemas.microsoft.com/office/drawing/2010/main" xmlns:m="http://schemas.openxmlformats.org/officeDocument/2006/math" xmlns="" val="1"/>
             </a:ext>
           </a:extLst>
         </p:spPr>
@@ -11247,7 +11247,7 @@
           </a:ln>
           <a:extLst>
             <a:ext uri="{C572A759-6A51-4108-AA02-DFA0A04FC94B}">
-              <ma14:wrappingTextBoxFlag xmlns="" xmlns:m="http://schemas.openxmlformats.org/officeDocument/2006/math" xmlns:a14="http://schemas.microsoft.com/office/drawing/2010/main" xmlns:ma14="http://schemas.microsoft.com/office/mac/drawingml/2011/main" val="1"/>
+              <ma14:wrappingTextBoxFlag xmlns:ma14="http://schemas.microsoft.com/office/mac/drawingml/2011/main" xmlns:a14="http://schemas.microsoft.com/office/drawing/2010/main" xmlns:m="http://schemas.openxmlformats.org/officeDocument/2006/math" xmlns="" val="1"/>
             </a:ext>
           </a:extLst>
         </p:spPr>
@@ -11361,7 +11361,7 @@
           </a:ln>
           <a:extLst>
             <a:ext uri="{C572A759-6A51-4108-AA02-DFA0A04FC94B}">
-              <ma14:wrappingTextBoxFlag xmlns="" xmlns:m="http://schemas.openxmlformats.org/officeDocument/2006/math" xmlns:a14="http://schemas.microsoft.com/office/drawing/2010/main" xmlns:ma14="http://schemas.microsoft.com/office/mac/drawingml/2011/main" val="1"/>
+              <ma14:wrappingTextBoxFlag xmlns:ma14="http://schemas.microsoft.com/office/mac/drawingml/2011/main" xmlns:a14="http://schemas.microsoft.com/office/drawing/2010/main" xmlns:m="http://schemas.openxmlformats.org/officeDocument/2006/math" xmlns="" val="1"/>
             </a:ext>
           </a:extLst>
         </p:spPr>
@@ -11421,7 +11421,7 @@
           </a:ln>
           <a:extLst>
             <a:ext uri="{C572A759-6A51-4108-AA02-DFA0A04FC94B}">
-              <ma14:wrappingTextBoxFlag xmlns="" xmlns:m="http://schemas.openxmlformats.org/officeDocument/2006/math" xmlns:a14="http://schemas.microsoft.com/office/drawing/2010/main" xmlns:ma14="http://schemas.microsoft.com/office/mac/drawingml/2011/main" val="1"/>
+              <ma14:wrappingTextBoxFlag xmlns:ma14="http://schemas.microsoft.com/office/mac/drawingml/2011/main" xmlns:a14="http://schemas.microsoft.com/office/drawing/2010/main" xmlns:m="http://schemas.openxmlformats.org/officeDocument/2006/math" xmlns="" val="1"/>
             </a:ext>
           </a:extLst>
         </p:spPr>
@@ -11569,7 +11569,7 @@
           </a:ln>
           <a:extLst>
             <a:ext uri="{C572A759-6A51-4108-AA02-DFA0A04FC94B}">
-              <ma14:wrappingTextBoxFlag xmlns="" xmlns:m="http://schemas.openxmlformats.org/officeDocument/2006/math" xmlns:a14="http://schemas.microsoft.com/office/drawing/2010/main" xmlns:ma14="http://schemas.microsoft.com/office/mac/drawingml/2011/main" val="1"/>
+              <ma14:wrappingTextBoxFlag xmlns:ma14="http://schemas.microsoft.com/office/mac/drawingml/2011/main" xmlns:a14="http://schemas.microsoft.com/office/drawing/2010/main" xmlns:m="http://schemas.openxmlformats.org/officeDocument/2006/math" xmlns="" val="1"/>
             </a:ext>
           </a:extLst>
         </p:spPr>
@@ -12683,7 +12683,7 @@
         </p:nvSpPr>
         <p:spPr>
           <a:xfrm>
-            <a:off x="9214614" y="3255431"/>
+            <a:off x="9924430" y="3259688"/>
             <a:ext cx="1201682" cy="257939"/>
           </a:xfrm>
           <a:prstGeom prst="wedgeRectCallout">

--- a/shinydashboardPlus.pptx
+++ b/shinydashboardPlus.pptx
@@ -1945,7 +1945,7 @@
           </a:ln>
           <a:extLst>
             <a:ext uri="{C572A759-6A51-4108-AA02-DFA0A04FC94B}">
-              <ma14:wrappingTextBoxFlag xmlns:ma14="http://schemas.microsoft.com/office/mac/drawingml/2011/main" xmlns:a14="http://schemas.microsoft.com/office/drawing/2010/main" xmlns:m="http://schemas.openxmlformats.org/officeDocument/2006/math" xmlns="" val="1"/>
+              <ma14:wrappingTextBoxFlag xmlns="" xmlns:m="http://schemas.openxmlformats.org/officeDocument/2006/math" xmlns:a14="http://schemas.microsoft.com/office/drawing/2010/main" xmlns:ma14="http://schemas.microsoft.com/office/mac/drawingml/2011/main" val="1"/>
             </a:ext>
           </a:extLst>
         </p:spPr>
@@ -1984,7 +1984,7 @@
           </a:ln>
           <a:extLst>
             <a:ext uri="{C572A759-6A51-4108-AA02-DFA0A04FC94B}">
-              <ma14:wrappingTextBoxFlag xmlns:ma14="http://schemas.microsoft.com/office/mac/drawingml/2011/main" xmlns:a14="http://schemas.microsoft.com/office/drawing/2010/main" xmlns:m="http://schemas.openxmlformats.org/officeDocument/2006/math" xmlns="" val="1"/>
+              <ma14:wrappingTextBoxFlag xmlns="" xmlns:m="http://schemas.openxmlformats.org/officeDocument/2006/math" xmlns:a14="http://schemas.microsoft.com/office/drawing/2010/main" xmlns:ma14="http://schemas.microsoft.com/office/mac/drawingml/2011/main" val="1"/>
             </a:ext>
           </a:extLst>
         </p:spPr>
@@ -3801,7 +3801,7 @@
           </a:ln>
           <a:extLst>
             <a:ext uri="{C572A759-6A51-4108-AA02-DFA0A04FC94B}">
-              <ma14:wrappingTextBoxFlag xmlns:ma14="http://schemas.microsoft.com/office/mac/drawingml/2011/main" xmlns:a14="http://schemas.microsoft.com/office/drawing/2010/main" xmlns:m="http://schemas.openxmlformats.org/officeDocument/2006/math" xmlns="" val="1"/>
+              <ma14:wrappingTextBoxFlag xmlns="" xmlns:m="http://schemas.openxmlformats.org/officeDocument/2006/math" xmlns:a14="http://schemas.microsoft.com/office/drawing/2010/main" xmlns:ma14="http://schemas.microsoft.com/office/mac/drawingml/2011/main" val="1"/>
             </a:ext>
           </a:extLst>
         </p:spPr>
@@ -3939,7 +3939,7 @@
           </a:ln>
           <a:extLst>
             <a:ext uri="{C572A759-6A51-4108-AA02-DFA0A04FC94B}">
-              <ma14:wrappingTextBoxFlag xmlns:ma14="http://schemas.microsoft.com/office/mac/drawingml/2011/main" xmlns:a14="http://schemas.microsoft.com/office/drawing/2010/main" xmlns:m="http://schemas.openxmlformats.org/officeDocument/2006/math" xmlns="" val="1"/>
+              <ma14:wrappingTextBoxFlag xmlns="" xmlns:m="http://schemas.openxmlformats.org/officeDocument/2006/math" xmlns:a14="http://schemas.microsoft.com/office/drawing/2010/main" xmlns:ma14="http://schemas.microsoft.com/office/mac/drawingml/2011/main" val="1"/>
             </a:ext>
           </a:extLst>
         </p:spPr>
@@ -4121,7 +4121,7 @@
           </a:ln>
           <a:extLst>
             <a:ext uri="{C572A759-6A51-4108-AA02-DFA0A04FC94B}">
-              <ma14:wrappingTextBoxFlag xmlns:ma14="http://schemas.microsoft.com/office/mac/drawingml/2011/main" xmlns:a14="http://schemas.microsoft.com/office/drawing/2010/main" xmlns:m="http://schemas.openxmlformats.org/officeDocument/2006/math" xmlns="" val="1"/>
+              <ma14:wrappingTextBoxFlag xmlns="" xmlns:m="http://schemas.openxmlformats.org/officeDocument/2006/math" xmlns:a14="http://schemas.microsoft.com/office/drawing/2010/main" xmlns:ma14="http://schemas.microsoft.com/office/mac/drawingml/2011/main" val="1"/>
             </a:ext>
           </a:extLst>
         </p:spPr>
@@ -4278,7 +4278,7 @@
           </a:ln>
           <a:extLst>
             <a:ext uri="{C572A759-6A51-4108-AA02-DFA0A04FC94B}">
-              <ma14:wrappingTextBoxFlag xmlns:ma14="http://schemas.microsoft.com/office/mac/drawingml/2011/main" xmlns:a14="http://schemas.microsoft.com/office/drawing/2010/main" xmlns:m="http://schemas.openxmlformats.org/officeDocument/2006/math" xmlns="" val="1"/>
+              <ma14:wrappingTextBoxFlag xmlns="" xmlns:m="http://schemas.openxmlformats.org/officeDocument/2006/math" xmlns:a14="http://schemas.microsoft.com/office/drawing/2010/main" xmlns:ma14="http://schemas.microsoft.com/office/mac/drawingml/2011/main" val="1"/>
             </a:ext>
           </a:extLst>
         </p:spPr>
@@ -4328,7 +4328,7 @@
           </a:ln>
           <a:extLst>
             <a:ext uri="{C572A759-6A51-4108-AA02-DFA0A04FC94B}">
-              <ma14:wrappingTextBoxFlag xmlns:ma14="http://schemas.microsoft.com/office/mac/drawingml/2011/main" xmlns:a14="http://schemas.microsoft.com/office/drawing/2010/main" xmlns:m="http://schemas.openxmlformats.org/officeDocument/2006/math" xmlns="" val="1"/>
+              <ma14:wrappingTextBoxFlag xmlns="" xmlns:m="http://schemas.openxmlformats.org/officeDocument/2006/math" xmlns:a14="http://schemas.microsoft.com/office/drawing/2010/main" xmlns:ma14="http://schemas.microsoft.com/office/mac/drawingml/2011/main" val="1"/>
             </a:ext>
           </a:extLst>
         </p:spPr>
@@ -4388,7 +4388,7 @@
           </a:ln>
           <a:extLst>
             <a:ext uri="{C572A759-6A51-4108-AA02-DFA0A04FC94B}">
-              <ma14:wrappingTextBoxFlag xmlns:ma14="http://schemas.microsoft.com/office/mac/drawingml/2011/main" xmlns:a14="http://schemas.microsoft.com/office/drawing/2010/main" xmlns:m="http://schemas.openxmlformats.org/officeDocument/2006/math" xmlns="" val="1"/>
+              <ma14:wrappingTextBoxFlag xmlns="" xmlns:m="http://schemas.openxmlformats.org/officeDocument/2006/math" xmlns:a14="http://schemas.microsoft.com/office/drawing/2010/main" xmlns:ma14="http://schemas.microsoft.com/office/mac/drawingml/2011/main" val="1"/>
             </a:ext>
           </a:extLst>
         </p:spPr>
@@ -4605,7 +4605,7 @@
           </a:ln>
           <a:extLst>
             <a:ext uri="{C572A759-6A51-4108-AA02-DFA0A04FC94B}">
-              <ma14:wrappingTextBoxFlag xmlns:ma14="http://schemas.microsoft.com/office/mac/drawingml/2011/main" xmlns:a14="http://schemas.microsoft.com/office/drawing/2010/main" xmlns:m="http://schemas.openxmlformats.org/officeDocument/2006/math" xmlns="" val="1"/>
+              <ma14:wrappingTextBoxFlag xmlns="" xmlns:m="http://schemas.openxmlformats.org/officeDocument/2006/math" xmlns:a14="http://schemas.microsoft.com/office/drawing/2010/main" xmlns:ma14="http://schemas.microsoft.com/office/mac/drawingml/2011/main" val="1"/>
             </a:ext>
           </a:extLst>
         </p:spPr>
@@ -4844,7 +4844,7 @@
           </a:ln>
           <a:extLst>
             <a:ext uri="{C572A759-6A51-4108-AA02-DFA0A04FC94B}">
-              <ma14:wrappingTextBoxFlag xmlns:ma14="http://schemas.microsoft.com/office/mac/drawingml/2011/main" xmlns:a14="http://schemas.microsoft.com/office/drawing/2010/main" xmlns:m="http://schemas.openxmlformats.org/officeDocument/2006/math" xmlns="" val="1"/>
+              <ma14:wrappingTextBoxFlag xmlns="" xmlns:m="http://schemas.openxmlformats.org/officeDocument/2006/math" xmlns:a14="http://schemas.microsoft.com/office/drawing/2010/main" xmlns:ma14="http://schemas.microsoft.com/office/mac/drawingml/2011/main" val="1"/>
             </a:ext>
           </a:extLst>
         </p:spPr>
@@ -4951,7 +4951,7 @@
           </a:ln>
           <a:extLst>
             <a:ext uri="{C572A759-6A51-4108-AA02-DFA0A04FC94B}">
-              <ma14:wrappingTextBoxFlag xmlns:ma14="http://schemas.microsoft.com/office/mac/drawingml/2011/main" xmlns:a14="http://schemas.microsoft.com/office/drawing/2010/main" xmlns:m="http://schemas.openxmlformats.org/officeDocument/2006/math" xmlns="" val="1"/>
+              <ma14:wrappingTextBoxFlag xmlns="" xmlns:m="http://schemas.openxmlformats.org/officeDocument/2006/math" xmlns:a14="http://schemas.microsoft.com/office/drawing/2010/main" xmlns:ma14="http://schemas.microsoft.com/office/mac/drawingml/2011/main" val="1"/>
             </a:ext>
           </a:extLst>
         </p:spPr>
@@ -5410,7 +5410,7 @@
           </a:ln>
           <a:extLst>
             <a:ext uri="{C572A759-6A51-4108-AA02-DFA0A04FC94B}">
-              <ma14:wrappingTextBoxFlag xmlns:ma14="http://schemas.microsoft.com/office/mac/drawingml/2011/main" xmlns:a14="http://schemas.microsoft.com/office/drawing/2010/main" xmlns:m="http://schemas.openxmlformats.org/officeDocument/2006/math" xmlns="" val="1"/>
+              <ma14:wrappingTextBoxFlag xmlns="" xmlns:m="http://schemas.openxmlformats.org/officeDocument/2006/math" xmlns:a14="http://schemas.microsoft.com/office/drawing/2010/main" xmlns:ma14="http://schemas.microsoft.com/office/mac/drawingml/2011/main" val="1"/>
             </a:ext>
           </a:extLst>
         </p:spPr>
@@ -6100,7 +6100,7 @@
           </a:ln>
           <a:extLst>
             <a:ext uri="{C572A759-6A51-4108-AA02-DFA0A04FC94B}">
-              <ma14:wrappingTextBoxFlag xmlns:ma14="http://schemas.microsoft.com/office/mac/drawingml/2011/main" xmlns:a14="http://schemas.microsoft.com/office/drawing/2010/main" xmlns:m="http://schemas.openxmlformats.org/officeDocument/2006/math" xmlns="" val="1"/>
+              <ma14:wrappingTextBoxFlag xmlns="" xmlns:m="http://schemas.openxmlformats.org/officeDocument/2006/math" xmlns:a14="http://schemas.microsoft.com/office/drawing/2010/main" xmlns:ma14="http://schemas.microsoft.com/office/mac/drawingml/2011/main" val="1"/>
             </a:ext>
           </a:extLst>
         </p:spPr>
@@ -6413,7 +6413,7 @@
           </a:ln>
           <a:extLst>
             <a:ext uri="{C572A759-6A51-4108-AA02-DFA0A04FC94B}">
-              <ma14:wrappingTextBoxFlag xmlns:ma14="http://schemas.microsoft.com/office/mac/drawingml/2011/main" xmlns:a14="http://schemas.microsoft.com/office/drawing/2010/main" xmlns:m="http://schemas.openxmlformats.org/officeDocument/2006/math" xmlns="" val="1"/>
+              <ma14:wrappingTextBoxFlag xmlns="" xmlns:m="http://schemas.openxmlformats.org/officeDocument/2006/math" xmlns:a14="http://schemas.microsoft.com/office/drawing/2010/main" xmlns:ma14="http://schemas.microsoft.com/office/mac/drawingml/2011/main" val="1"/>
             </a:ext>
           </a:extLst>
         </p:spPr>
@@ -6566,7 +6566,7 @@
           </a:ln>
           <a:extLst>
             <a:ext uri="{C572A759-6A51-4108-AA02-DFA0A04FC94B}">
-              <ma14:wrappingTextBoxFlag xmlns:ma14="http://schemas.microsoft.com/office/mac/drawingml/2011/main" xmlns:a14="http://schemas.microsoft.com/office/drawing/2010/main" xmlns:m="http://schemas.openxmlformats.org/officeDocument/2006/math" xmlns="" val="1"/>
+              <ma14:wrappingTextBoxFlag xmlns="" xmlns:m="http://schemas.openxmlformats.org/officeDocument/2006/math" xmlns:a14="http://schemas.microsoft.com/office/drawing/2010/main" xmlns:ma14="http://schemas.microsoft.com/office/mac/drawingml/2011/main" val="1"/>
             </a:ext>
           </a:extLst>
         </p:spPr>
@@ -6682,7 +6682,7 @@
           </a:ln>
           <a:extLst>
             <a:ext uri="{C572A759-6A51-4108-AA02-DFA0A04FC94B}">
-              <ma14:wrappingTextBoxFlag xmlns:ma14="http://schemas.microsoft.com/office/mac/drawingml/2011/main" xmlns:a14="http://schemas.microsoft.com/office/drawing/2010/main" xmlns:m="http://schemas.openxmlformats.org/officeDocument/2006/math" xmlns="" val="1"/>
+              <ma14:wrappingTextBoxFlag xmlns="" xmlns:m="http://schemas.openxmlformats.org/officeDocument/2006/math" xmlns:a14="http://schemas.microsoft.com/office/drawing/2010/main" xmlns:ma14="http://schemas.microsoft.com/office/mac/drawingml/2011/main" val="1"/>
             </a:ext>
           </a:extLst>
         </p:spPr>
@@ -7319,7 +7319,7 @@
           </a:ln>
           <a:extLst>
             <a:ext uri="{C572A759-6A51-4108-AA02-DFA0A04FC94B}">
-              <ma14:wrappingTextBoxFlag xmlns:ma14="http://schemas.microsoft.com/office/mac/drawingml/2011/main" xmlns:a14="http://schemas.microsoft.com/office/drawing/2010/main" xmlns:m="http://schemas.openxmlformats.org/officeDocument/2006/math" xmlns="" val="1"/>
+              <ma14:wrappingTextBoxFlag xmlns="" xmlns:m="http://schemas.openxmlformats.org/officeDocument/2006/math" xmlns:a14="http://schemas.microsoft.com/office/drawing/2010/main" xmlns:ma14="http://schemas.microsoft.com/office/mac/drawingml/2011/main" val="1"/>
             </a:ext>
           </a:extLst>
         </p:spPr>
@@ -7385,7 +7385,7 @@
           </a:ln>
           <a:extLst>
             <a:ext uri="{C572A759-6A51-4108-AA02-DFA0A04FC94B}">
-              <ma14:wrappingTextBoxFlag xmlns:ma14="http://schemas.microsoft.com/office/mac/drawingml/2011/main" xmlns:a14="http://schemas.microsoft.com/office/drawing/2010/main" xmlns:m="http://schemas.openxmlformats.org/officeDocument/2006/math" xmlns="" val="1"/>
+              <ma14:wrappingTextBoxFlag xmlns="" xmlns:m="http://schemas.openxmlformats.org/officeDocument/2006/math" xmlns:a14="http://schemas.microsoft.com/office/drawing/2010/main" xmlns:ma14="http://schemas.microsoft.com/office/mac/drawingml/2011/main" val="1"/>
             </a:ext>
           </a:extLst>
         </p:spPr>
@@ -7519,7 +7519,7 @@
           </a:ln>
           <a:extLst>
             <a:ext uri="{C572A759-6A51-4108-AA02-DFA0A04FC94B}">
-              <ma14:wrappingTextBoxFlag xmlns:ma14="http://schemas.microsoft.com/office/mac/drawingml/2011/main" xmlns:a14="http://schemas.microsoft.com/office/drawing/2010/main" xmlns:m="http://schemas.openxmlformats.org/officeDocument/2006/math" xmlns="" val="1"/>
+              <ma14:wrappingTextBoxFlag xmlns="" xmlns:m="http://schemas.openxmlformats.org/officeDocument/2006/math" xmlns:a14="http://schemas.microsoft.com/office/drawing/2010/main" xmlns:ma14="http://schemas.microsoft.com/office/mac/drawingml/2011/main" val="1"/>
             </a:ext>
           </a:extLst>
         </p:spPr>
@@ -7687,7 +7687,7 @@
           </a:ln>
           <a:extLst>
             <a:ext uri="{C572A759-6A51-4108-AA02-DFA0A04FC94B}">
-              <ma14:wrappingTextBoxFlag xmlns:ma14="http://schemas.microsoft.com/office/mac/drawingml/2011/main" xmlns:a14="http://schemas.microsoft.com/office/drawing/2010/main" xmlns:m="http://schemas.openxmlformats.org/officeDocument/2006/math" xmlns="" val="1"/>
+              <ma14:wrappingTextBoxFlag xmlns="" xmlns:m="http://schemas.openxmlformats.org/officeDocument/2006/math" xmlns:a14="http://schemas.microsoft.com/office/drawing/2010/main" xmlns:ma14="http://schemas.microsoft.com/office/mac/drawingml/2011/main" val="1"/>
             </a:ext>
           </a:extLst>
         </p:spPr>
@@ -7967,7 +7967,7 @@
           </a:ln>
           <a:extLst>
             <a:ext uri="{C572A759-6A51-4108-AA02-DFA0A04FC94B}">
-              <ma14:wrappingTextBoxFlag xmlns:ma14="http://schemas.microsoft.com/office/mac/drawingml/2011/main" xmlns:a14="http://schemas.microsoft.com/office/drawing/2010/main" xmlns:m="http://schemas.openxmlformats.org/officeDocument/2006/math" xmlns="" val="1"/>
+              <ma14:wrappingTextBoxFlag xmlns="" xmlns:m="http://schemas.openxmlformats.org/officeDocument/2006/math" xmlns:a14="http://schemas.microsoft.com/office/drawing/2010/main" xmlns:ma14="http://schemas.microsoft.com/office/mac/drawingml/2011/main" val="1"/>
             </a:ext>
           </a:extLst>
         </p:spPr>
@@ -8643,7 +8643,7 @@
           </a:ln>
           <a:extLst>
             <a:ext uri="{C572A759-6A51-4108-AA02-DFA0A04FC94B}">
-              <ma14:wrappingTextBoxFlag xmlns:ma14="http://schemas.microsoft.com/office/mac/drawingml/2011/main" xmlns:a14="http://schemas.microsoft.com/office/drawing/2010/main" xmlns:m="http://schemas.openxmlformats.org/officeDocument/2006/math" xmlns="" val="1"/>
+              <ma14:wrappingTextBoxFlag xmlns="" xmlns:m="http://schemas.openxmlformats.org/officeDocument/2006/math" xmlns:a14="http://schemas.microsoft.com/office/drawing/2010/main" xmlns:ma14="http://schemas.microsoft.com/office/mac/drawingml/2011/main" val="1"/>
             </a:ext>
           </a:extLst>
         </p:spPr>
@@ -10457,7 +10457,7 @@
           </a:ln>
           <a:extLst>
             <a:ext uri="{C572A759-6A51-4108-AA02-DFA0A04FC94B}">
-              <ma14:wrappingTextBoxFlag xmlns:ma14="http://schemas.microsoft.com/office/mac/drawingml/2011/main" xmlns:a14="http://schemas.microsoft.com/office/drawing/2010/main" xmlns:m="http://schemas.openxmlformats.org/officeDocument/2006/math" xmlns="" val="1"/>
+              <ma14:wrappingTextBoxFlag xmlns="" xmlns:m="http://schemas.openxmlformats.org/officeDocument/2006/math" xmlns:a14="http://schemas.microsoft.com/office/drawing/2010/main" xmlns:ma14="http://schemas.microsoft.com/office/mac/drawingml/2011/main" val="1"/>
             </a:ext>
           </a:extLst>
         </p:spPr>
@@ -10844,7 +10844,7 @@
         </p:nvSpPr>
         <p:spPr>
           <a:xfrm>
-            <a:off x="4973548" y="389399"/>
+            <a:off x="4973548" y="450359"/>
             <a:ext cx="2603277" cy="340029"/>
           </a:xfrm>
           <a:prstGeom prst="rect">
@@ -10855,7 +10855,7 @@
           </a:ln>
           <a:extLst>
             <a:ext uri="{C572A759-6A51-4108-AA02-DFA0A04FC94B}">
-              <ma14:wrappingTextBoxFlag xmlns:ma14="http://schemas.microsoft.com/office/mac/drawingml/2011/main" xmlns:a14="http://schemas.microsoft.com/office/drawing/2010/main" xmlns:m="http://schemas.openxmlformats.org/officeDocument/2006/math" xmlns="" val="1"/>
+              <ma14:wrappingTextBoxFlag xmlns="" xmlns:m="http://schemas.openxmlformats.org/officeDocument/2006/math" xmlns:a14="http://schemas.microsoft.com/office/drawing/2010/main" xmlns:ma14="http://schemas.microsoft.com/office/mac/drawingml/2011/main" val="1"/>
             </a:ext>
           </a:extLst>
         </p:spPr>
@@ -10904,7 +10904,7 @@
         </p:nvSpPr>
         <p:spPr>
           <a:xfrm flipV="1">
-            <a:off x="4032642" y="343513"/>
+            <a:off x="4256162" y="343513"/>
             <a:ext cx="4118291" cy="0"/>
           </a:xfrm>
           <a:prstGeom prst="line">
@@ -11041,7 +11041,7 @@
           </a:ln>
           <a:extLst>
             <a:ext uri="{C572A759-6A51-4108-AA02-DFA0A04FC94B}">
-              <ma14:wrappingTextBoxFlag xmlns:ma14="http://schemas.microsoft.com/office/mac/drawingml/2011/main" xmlns:a14="http://schemas.microsoft.com/office/drawing/2010/main" xmlns:m="http://schemas.openxmlformats.org/officeDocument/2006/math" xmlns="" val="1"/>
+              <ma14:wrappingTextBoxFlag xmlns="" xmlns:m="http://schemas.openxmlformats.org/officeDocument/2006/math" xmlns:a14="http://schemas.microsoft.com/office/drawing/2010/main" xmlns:ma14="http://schemas.microsoft.com/office/mac/drawingml/2011/main" val="1"/>
             </a:ext>
           </a:extLst>
         </p:spPr>
@@ -11108,7 +11108,7 @@
           </a:ln>
           <a:extLst>
             <a:ext uri="{C572A759-6A51-4108-AA02-DFA0A04FC94B}">
-              <ma14:wrappingTextBoxFlag xmlns:ma14="http://schemas.microsoft.com/office/mac/drawingml/2011/main" xmlns:a14="http://schemas.microsoft.com/office/drawing/2010/main" xmlns:m="http://schemas.openxmlformats.org/officeDocument/2006/math" xmlns="" val="1"/>
+              <ma14:wrappingTextBoxFlag xmlns="" xmlns:m="http://schemas.openxmlformats.org/officeDocument/2006/math" xmlns:a14="http://schemas.microsoft.com/office/drawing/2010/main" xmlns:ma14="http://schemas.microsoft.com/office/mac/drawingml/2011/main" val="1"/>
             </a:ext>
           </a:extLst>
         </p:spPr>
@@ -11247,7 +11247,7 @@
           </a:ln>
           <a:extLst>
             <a:ext uri="{C572A759-6A51-4108-AA02-DFA0A04FC94B}">
-              <ma14:wrappingTextBoxFlag xmlns:ma14="http://schemas.microsoft.com/office/mac/drawingml/2011/main" xmlns:a14="http://schemas.microsoft.com/office/drawing/2010/main" xmlns:m="http://schemas.openxmlformats.org/officeDocument/2006/math" xmlns="" val="1"/>
+              <ma14:wrappingTextBoxFlag xmlns="" xmlns:m="http://schemas.openxmlformats.org/officeDocument/2006/math" xmlns:a14="http://schemas.microsoft.com/office/drawing/2010/main" xmlns:ma14="http://schemas.microsoft.com/office/mac/drawingml/2011/main" val="1"/>
             </a:ext>
           </a:extLst>
         </p:spPr>
@@ -11361,7 +11361,7 @@
           </a:ln>
           <a:extLst>
             <a:ext uri="{C572A759-6A51-4108-AA02-DFA0A04FC94B}">
-              <ma14:wrappingTextBoxFlag xmlns:ma14="http://schemas.microsoft.com/office/mac/drawingml/2011/main" xmlns:a14="http://schemas.microsoft.com/office/drawing/2010/main" xmlns:m="http://schemas.openxmlformats.org/officeDocument/2006/math" xmlns="" val="1"/>
+              <ma14:wrappingTextBoxFlag xmlns="" xmlns:m="http://schemas.openxmlformats.org/officeDocument/2006/math" xmlns:a14="http://schemas.microsoft.com/office/drawing/2010/main" xmlns:ma14="http://schemas.microsoft.com/office/mac/drawingml/2011/main" val="1"/>
             </a:ext>
           </a:extLst>
         </p:spPr>
@@ -11421,7 +11421,7 @@
           </a:ln>
           <a:extLst>
             <a:ext uri="{C572A759-6A51-4108-AA02-DFA0A04FC94B}">
-              <ma14:wrappingTextBoxFlag xmlns:ma14="http://schemas.microsoft.com/office/mac/drawingml/2011/main" xmlns:a14="http://schemas.microsoft.com/office/drawing/2010/main" xmlns:m="http://schemas.openxmlformats.org/officeDocument/2006/math" xmlns="" val="1"/>
+              <ma14:wrappingTextBoxFlag xmlns="" xmlns:m="http://schemas.openxmlformats.org/officeDocument/2006/math" xmlns:a14="http://schemas.microsoft.com/office/drawing/2010/main" xmlns:ma14="http://schemas.microsoft.com/office/mac/drawingml/2011/main" val="1"/>
             </a:ext>
           </a:extLst>
         </p:spPr>
@@ -11569,7 +11569,7 @@
           </a:ln>
           <a:extLst>
             <a:ext uri="{C572A759-6A51-4108-AA02-DFA0A04FC94B}">
-              <ma14:wrappingTextBoxFlag xmlns:ma14="http://schemas.microsoft.com/office/mac/drawingml/2011/main" xmlns:a14="http://schemas.microsoft.com/office/drawing/2010/main" xmlns:m="http://schemas.openxmlformats.org/officeDocument/2006/math" xmlns="" val="1"/>
+              <ma14:wrappingTextBoxFlag xmlns="" xmlns:m="http://schemas.openxmlformats.org/officeDocument/2006/math" xmlns:a14="http://schemas.microsoft.com/office/drawing/2010/main" xmlns:ma14="http://schemas.microsoft.com/office/mac/drawingml/2011/main" val="1"/>
             </a:ext>
           </a:extLst>
         </p:spPr>
@@ -11835,7 +11835,7 @@
                 <a:cs typeface="Source Sans Pro"/>
                 <a:sym typeface="Source Sans Pro"/>
               </a:rPr>
-              <a:t>advanced</a:t>
+              <a:t>recent</a:t>
             </a:r>
             <a:r>
               <a:rPr kumimoji="0" lang="fr-FR" sz="1200" b="1" i="0" u="none" strike="noStrike" cap="none" spc="0" normalizeH="0" baseline="0" dirty="0">
@@ -11940,6 +11940,10 @@
               <a:t>supporting</a:t>
             </a:r>
             <a:r>
+              <a:rPr lang="fr-FR" dirty="0"/>
+              <a:t> </a:t>
+            </a:r>
+            <a:r>
               <a:rPr kumimoji="0" lang="fr-FR" sz="1200" b="1" i="0" u="none" strike="noStrike" cap="none" spc="0" normalizeH="0" baseline="0" dirty="0">
                 <a:ln>
                   <a:noFill/>
@@ -11954,41 +11958,7 @@
                 <a:cs typeface="Source Sans Pro"/>
                 <a:sym typeface="Source Sans Pro"/>
               </a:rPr>
-              <a:t> plot </a:t>
-            </a:r>
-            <a:r>
-              <a:rPr kumimoji="0" lang="fr-FR" sz="1200" b="1" i="0" u="none" strike="noStrike" cap="none" spc="0" normalizeH="0" baseline="0" dirty="0" err="1">
-                <a:ln>
-                  <a:noFill/>
-                </a:ln>
-                <a:solidFill>
-                  <a:srgbClr val="4C4C4C"/>
-                </a:solidFill>
-                <a:effectLst/>
-                <a:uFillTx/>
-                <a:latin typeface="Source Sans Pro"/>
-                <a:ea typeface="Source Sans Pro"/>
-                <a:cs typeface="Source Sans Pro"/>
-                <a:sym typeface="Source Sans Pro"/>
-              </a:rPr>
-              <a:t>with</a:t>
-            </a:r>
-            <a:r>
-              <a:rPr kumimoji="0" lang="fr-FR" sz="1200" b="1" i="0" u="none" strike="noStrike" cap="none" spc="0" normalizeH="0" baseline="0" dirty="0">
-                <a:ln>
-                  <a:noFill/>
-                </a:ln>
-                <a:solidFill>
-                  <a:srgbClr val="4C4C4C"/>
-                </a:solidFill>
-                <a:effectLst/>
-                <a:uFillTx/>
-                <a:latin typeface="Source Sans Pro"/>
-                <a:ea typeface="Source Sans Pro"/>
-                <a:cs typeface="Source Sans Pro"/>
-                <a:sym typeface="Source Sans Pro"/>
-              </a:rPr>
-              <a:t> transparent background </a:t>
+              <a:t>transparent background </a:t>
             </a:r>
             <a:r>
               <a:rPr kumimoji="0" lang="fr-FR" sz="1200" b="1" i="0" u="none" strike="noStrike" cap="none" spc="0" normalizeH="0" baseline="0" dirty="0" err="1">
@@ -13331,7 +13301,7 @@
         </p:nvSpPr>
         <p:spPr>
           <a:xfrm>
-            <a:off x="6255322" y="2326767"/>
+            <a:off x="5302824" y="2571401"/>
             <a:ext cx="1445949" cy="257939"/>
           </a:xfrm>
           <a:prstGeom prst="wedgeRectCallout">
